--- a/01_Intro_Systematic_Review_2021-07-06.pptx
+++ b/01_Intro_Systematic_Review_2021-07-06.pptx
@@ -8194,7 +8194,7 @@
           <a:p>
             <a:fld id="{8D51D05E-8F49-834E-8EFA-ABC134D72939}" type="datetimeFigureOut">
               <a:rPr lang="en-US" smtClean="0"/>
-              <a:t>7/7/21</a:t>
+              <a:t>7/8/21</a:t>
             </a:fld>
             <a:endParaRPr lang="en-US" dirty="0"/>
           </a:p>
@@ -10644,7 +10644,7 @@
           <a:p>
             <a:fld id="{2BE42F37-7152-D240-9118-E93D91DE886D}" type="datetimeFigureOut">
               <a:rPr lang="en-US" smtClean="0"/>
-              <a:t>7/7/21</a:t>
+              <a:t>7/8/21</a:t>
             </a:fld>
             <a:endParaRPr lang="en-US" dirty="0"/>
           </a:p>
@@ -10842,7 +10842,7 @@
           <a:p>
             <a:fld id="{2BE42F37-7152-D240-9118-E93D91DE886D}" type="datetimeFigureOut">
               <a:rPr lang="en-US" smtClean="0"/>
-              <a:t>7/7/21</a:t>
+              <a:t>7/8/21</a:t>
             </a:fld>
             <a:endParaRPr lang="en-US" dirty="0"/>
           </a:p>
@@ -11050,7 +11050,7 @@
           <a:p>
             <a:fld id="{2BE42F37-7152-D240-9118-E93D91DE886D}" type="datetimeFigureOut">
               <a:rPr lang="en-US" smtClean="0"/>
-              <a:t>7/7/21</a:t>
+              <a:t>7/8/21</a:t>
             </a:fld>
             <a:endParaRPr lang="en-US" dirty="0"/>
           </a:p>
@@ -11690,7 +11690,7 @@
           <a:p>
             <a:fld id="{2BE42F37-7152-D240-9118-E93D91DE886D}" type="datetimeFigureOut">
               <a:rPr lang="en-US" smtClean="0"/>
-              <a:t>7/7/21</a:t>
+              <a:t>7/8/21</a:t>
             </a:fld>
             <a:endParaRPr lang="en-US" dirty="0"/>
           </a:p>
@@ -11965,7 +11965,7 @@
           <a:p>
             <a:fld id="{2BE42F37-7152-D240-9118-E93D91DE886D}" type="datetimeFigureOut">
               <a:rPr lang="en-US" smtClean="0"/>
-              <a:t>7/7/21</a:t>
+              <a:t>7/8/21</a:t>
             </a:fld>
             <a:endParaRPr lang="en-US" dirty="0"/>
           </a:p>
@@ -12230,7 +12230,7 @@
           <a:p>
             <a:fld id="{2BE42F37-7152-D240-9118-E93D91DE886D}" type="datetimeFigureOut">
               <a:rPr lang="en-US" smtClean="0"/>
-              <a:t>7/7/21</a:t>
+              <a:t>7/8/21</a:t>
             </a:fld>
             <a:endParaRPr lang="en-US" dirty="0"/>
           </a:p>
@@ -12642,7 +12642,7 @@
           <a:p>
             <a:fld id="{2BE42F37-7152-D240-9118-E93D91DE886D}" type="datetimeFigureOut">
               <a:rPr lang="en-US" smtClean="0"/>
-              <a:t>7/7/21</a:t>
+              <a:t>7/8/21</a:t>
             </a:fld>
             <a:endParaRPr lang="en-US" dirty="0"/>
           </a:p>
@@ -12783,7 +12783,7 @@
           <a:p>
             <a:fld id="{2BE42F37-7152-D240-9118-E93D91DE886D}" type="datetimeFigureOut">
               <a:rPr lang="en-US" smtClean="0"/>
-              <a:t>7/7/21</a:t>
+              <a:t>7/8/21</a:t>
             </a:fld>
             <a:endParaRPr lang="en-US" dirty="0"/>
           </a:p>
@@ -12896,7 +12896,7 @@
           <a:p>
             <a:fld id="{2BE42F37-7152-D240-9118-E93D91DE886D}" type="datetimeFigureOut">
               <a:rPr lang="en-US" smtClean="0"/>
-              <a:t>7/7/21</a:t>
+              <a:t>7/8/21</a:t>
             </a:fld>
             <a:endParaRPr lang="en-US" dirty="0"/>
           </a:p>
@@ -13207,7 +13207,7 @@
           <a:p>
             <a:fld id="{2BE42F37-7152-D240-9118-E93D91DE886D}" type="datetimeFigureOut">
               <a:rPr lang="en-US" smtClean="0"/>
-              <a:t>7/7/21</a:t>
+              <a:t>7/8/21</a:t>
             </a:fld>
             <a:endParaRPr lang="en-US" dirty="0"/>
           </a:p>
@@ -13495,7 +13495,7 @@
           <a:p>
             <a:fld id="{2BE42F37-7152-D240-9118-E93D91DE886D}" type="datetimeFigureOut">
               <a:rPr lang="en-US" smtClean="0"/>
-              <a:t>7/7/21</a:t>
+              <a:t>7/8/21</a:t>
             </a:fld>
             <a:endParaRPr lang="en-US" dirty="0"/>
           </a:p>
@@ -13736,7 +13736,7 @@
           <a:p>
             <a:fld id="{2BE42F37-7152-D240-9118-E93D91DE886D}" type="datetimeFigureOut">
               <a:rPr lang="en-US" smtClean="0"/>
-              <a:t>7/7/21</a:t>
+              <a:t>7/8/21</a:t>
             </a:fld>
             <a:endParaRPr lang="en-US" dirty="0"/>
           </a:p>
@@ -20233,7 +20233,7 @@
 </file>
 
 <file path=ppt/slides/slide25.xml><?xml version="1.0" encoding="utf-8"?>
-<p:sld xmlns:a="http://schemas.openxmlformats.org/drawingml/2006/main" xmlns:r="http://schemas.openxmlformats.org/officeDocument/2006/relationships" xmlns:p="http://schemas.openxmlformats.org/presentationml/2006/main" show="0">
+<p:sld xmlns:a="http://schemas.openxmlformats.org/drawingml/2006/main" xmlns:r="http://schemas.openxmlformats.org/officeDocument/2006/relationships" xmlns:p="http://schemas.openxmlformats.org/presentationml/2006/main">
   <p:cSld>
     <p:spTree>
       <p:nvGrpSpPr>
@@ -26274,18 +26274,6 @@
   <p:clrMapOvr>
     <a:masterClrMapping/>
   </p:clrMapOvr>
-  <mc:AlternateContent xmlns:mc="http://schemas.openxmlformats.org/markup-compatibility/2006" xmlns:p14="http://schemas.microsoft.com/office/powerpoint/2010/main">
-    <mc:Choice Requires="p14">
-      <p:transition spd="med" p14:dur="700">
-        <p:fade/>
-      </p:transition>
-    </mc:Choice>
-    <mc:Fallback xmlns="">
-      <p:transition spd="med">
-        <p:fade/>
-      </p:transition>
-    </mc:Fallback>
-  </mc:AlternateContent>
 </p:sld>
 </file>
 
